--- a/presentation/architecture_overview.pptx
+++ b/presentation/architecture_overview.pptx
@@ -3575,8 +3575,8 @@
         </p:nvSpPr>
         <p:spPr>
           <a:xfrm>
-            <a:off x="3942405" y="1320431"/>
-            <a:ext cx="1241045" cy="523220"/>
+            <a:off x="3603625" y="1155433"/>
+            <a:ext cx="1936749" cy="523220"/>
           </a:xfrm>
           <a:prstGeom prst="rect">
             <a:avLst/>
@@ -3588,6 +3588,18 @@
             <a:spAutoFit/>
           </a:bodyPr>
           <a:lstStyle/>
+          <a:p>
+            <a:pPr algn="ctr"/>
+            <a:r>
+              <a:rPr lang="en-GB" sz="1400" b="1" dirty="0">
+                <a:solidFill>
+                  <a:srgbClr val="FFFFFF"/>
+                </a:solidFill>
+                <a:latin typeface="Roboto" panose="02000000000000000000" pitchFamily="2" charset="0"/>
+              </a:rPr>
+              <a:t> Object Storage Proxy</a:t>
+            </a:r>
+          </a:p>
           <a:p>
             <a:pPr algn="ctr">
               <a:buNone/>
@@ -3602,22 +3614,31 @@
                 <a:ea typeface="Roboto" panose="02000000000000000000" pitchFamily="2" charset="0"/>
                 <a:cs typeface="Roboto" panose="02000000000000000000" pitchFamily="2" charset="0"/>
               </a:rPr>
-              <a:t>&lt;kwaimer⚡&gt;</a:t>
-            </a:r>
-          </a:p>
-          <a:p>
-            <a:pPr algn="ctr">
-              <a:buNone/>
-            </a:pPr>
-            <a:r>
-              <a:rPr lang="en-GB" sz="1400" b="1" i="0" dirty="0">
+              <a:t>&lt;</a:t>
+            </a:r>
+            <a:r>
+              <a:rPr lang="en-GB" sz="1400" b="1" i="0" dirty="0" err="1">
                 <a:solidFill>
                   <a:srgbClr val="FFFFFF"/>
                 </a:solidFill>
                 <a:effectLst/>
                 <a:latin typeface="Roboto" panose="02000000000000000000" pitchFamily="2" charset="0"/>
+                <a:ea typeface="Roboto" panose="02000000000000000000" pitchFamily="2" charset="0"/>
+                <a:cs typeface="Roboto" panose="02000000000000000000" pitchFamily="2" charset="0"/>
               </a:rPr>
-              <a:t> </a:t>
+              <a:t>osp</a:t>
+            </a:r>
+            <a:r>
+              <a:rPr lang="en-GB" sz="1400" b="1" i="0" dirty="0">
+                <a:solidFill>
+                  <a:srgbClr val="FFFFFF"/>
+                </a:solidFill>
+                <a:effectLst/>
+                <a:latin typeface="Roboto" panose="02000000000000000000" pitchFamily="2" charset="0"/>
+                <a:ea typeface="Roboto" panose="02000000000000000000" pitchFamily="2" charset="0"/>
+                <a:cs typeface="Roboto" panose="02000000000000000000" pitchFamily="2" charset="0"/>
+              </a:rPr>
+              <a:t>⚡&gt;</a:t>
             </a:r>
           </a:p>
         </p:txBody>

--- a/presentation/architecture_overview.pptx
+++ b/presentation/architecture_overview.pptx
@@ -3218,7 +3218,7 @@
         </p:nvSpPr>
         <p:spPr>
           <a:xfrm>
-            <a:off x="594360" y="1097280"/>
+            <a:off x="594360" y="1854927"/>
             <a:ext cx="2468880" cy="4114800"/>
           </a:xfrm>
           <a:prstGeom prst="rect">
@@ -3264,7 +3264,7 @@
         </p:nvSpPr>
         <p:spPr>
           <a:xfrm>
-            <a:off x="911435" y="1097280"/>
+            <a:off x="911435" y="1854927"/>
             <a:ext cx="1834733" cy="584775"/>
           </a:xfrm>
           <a:prstGeom prst="rect">
@@ -3315,7 +3315,7 @@
         </p:nvSpPr>
         <p:spPr>
           <a:xfrm>
-            <a:off x="755069" y="2153751"/>
+            <a:off x="755069" y="2911398"/>
             <a:ext cx="2261901" cy="2123658"/>
           </a:xfrm>
           <a:prstGeom prst="rect">
@@ -3529,7 +3529,7 @@
         </p:nvSpPr>
         <p:spPr>
           <a:xfrm>
-            <a:off x="3337560" y="1097280"/>
+            <a:off x="3337560" y="1854927"/>
             <a:ext cx="2468880" cy="4114800"/>
           </a:xfrm>
           <a:prstGeom prst="rect">
@@ -3575,7 +3575,7 @@
         </p:nvSpPr>
         <p:spPr>
           <a:xfrm>
-            <a:off x="3603625" y="1155433"/>
+            <a:off x="3603625" y="1913080"/>
             <a:ext cx="1936749" cy="523220"/>
           </a:xfrm>
           <a:prstGeom prst="rect">
@@ -3651,7 +3651,7 @@
         </p:nvSpPr>
         <p:spPr>
           <a:xfrm>
-            <a:off x="3611880" y="2116262"/>
+            <a:off x="3611880" y="2873909"/>
             <a:ext cx="2194560" cy="1200329"/>
           </a:xfrm>
           <a:prstGeom prst="rect">
@@ -3767,7 +3767,7 @@
         </p:nvSpPr>
         <p:spPr>
           <a:xfrm>
-            <a:off x="6080760" y="1097280"/>
+            <a:off x="6080760" y="1854927"/>
             <a:ext cx="2468880" cy="4114800"/>
           </a:xfrm>
           <a:prstGeom prst="rect">
@@ -3813,7 +3813,7 @@
         </p:nvSpPr>
         <p:spPr>
           <a:xfrm>
-            <a:off x="6080760" y="1097280"/>
+            <a:off x="6080760" y="1854927"/>
             <a:ext cx="2468880" cy="457200"/>
           </a:xfrm>
           <a:prstGeom prst="rect">
@@ -3856,7 +3856,7 @@
         </p:nvSpPr>
         <p:spPr>
           <a:xfrm>
-            <a:off x="6400800" y="2153751"/>
+            <a:off x="6400800" y="2911398"/>
             <a:ext cx="1962910" cy="2492990"/>
           </a:xfrm>
           <a:prstGeom prst="rect">
@@ -4062,21 +4062,20 @@
         </p:nvSpPr>
         <p:spPr>
           <a:xfrm>
-            <a:off x="3017520" y="3154680"/>
+            <a:off x="3017520" y="3912327"/>
             <a:ext cx="640080" cy="274320"/>
           </a:xfrm>
           <a:prstGeom prst="rightArrow">
             <a:avLst/>
           </a:prstGeom>
           <a:solidFill>
-            <a:srgbClr val="0F0F0F">
+            <a:schemeClr val="bg2">
+              <a:lumMod val="90000"/>
               <a:alpha val="69020"/>
-            </a:srgbClr>
+            </a:schemeClr>
           </a:solidFill>
           <a:ln>
-            <a:solidFill>
-              <a:srgbClr val="000000"/>
-            </a:solidFill>
+            <a:noFill/>
           </a:ln>
         </p:spPr>
         <p:style>
@@ -4110,21 +4109,20 @@
         </p:nvSpPr>
         <p:spPr>
           <a:xfrm>
-            <a:off x="5760720" y="3154680"/>
+            <a:off x="5760720" y="3912327"/>
             <a:ext cx="640080" cy="274320"/>
           </a:xfrm>
           <a:prstGeom prst="rightArrow">
             <a:avLst/>
           </a:prstGeom>
           <a:solidFill>
-            <a:srgbClr val="0F0F0F">
+            <a:schemeClr val="bg2">
+              <a:lumMod val="90000"/>
               <a:alpha val="69020"/>
-            </a:srgbClr>
+            </a:schemeClr>
           </a:solidFill>
           <a:ln>
-            <a:solidFill>
-              <a:srgbClr val="000000"/>
-            </a:solidFill>
+            <a:noFill/>
           </a:ln>
         </p:spPr>
         <p:style>
@@ -4196,7 +4194,7 @@
         </p:nvSpPr>
         <p:spPr>
           <a:xfrm>
-            <a:off x="594360" y="5577522"/>
+            <a:off x="594360" y="883066"/>
             <a:ext cx="7955280" cy="640398"/>
           </a:xfrm>
           <a:prstGeom prst="rect">
@@ -4251,22 +4249,21 @@
           <p:nvPr/>
         </p:nvSpPr>
         <p:spPr>
-          <a:xfrm rot="5400000">
-            <a:off x="1646079" y="5257641"/>
+          <a:xfrm rot="16200000">
+            <a:off x="1646079" y="1567297"/>
             <a:ext cx="365442" cy="274320"/>
           </a:xfrm>
           <a:prstGeom prst="rightArrow">
             <a:avLst/>
           </a:prstGeom>
           <a:solidFill>
-            <a:srgbClr val="0F0F0F">
+            <a:schemeClr val="bg2">
+              <a:lumMod val="90000"/>
               <a:alpha val="69020"/>
-            </a:srgbClr>
+            </a:schemeClr>
           </a:solidFill>
           <a:ln>
-            <a:solidFill>
-              <a:srgbClr val="000000"/>
-            </a:solidFill>
+            <a:noFill/>
           </a:ln>
         </p:spPr>
         <p:style>
@@ -4305,22 +4302,21 @@
           <p:nvPr/>
         </p:nvSpPr>
         <p:spPr>
-          <a:xfrm rot="5400000">
-            <a:off x="4389279" y="5271085"/>
+          <a:xfrm rot="16200000">
+            <a:off x="4389279" y="1564123"/>
             <a:ext cx="365442" cy="274320"/>
           </a:xfrm>
           <a:prstGeom prst="rightArrow">
             <a:avLst/>
           </a:prstGeom>
           <a:solidFill>
-            <a:srgbClr val="0F0F0F">
+            <a:schemeClr val="bg2">
+              <a:lumMod val="90000"/>
               <a:alpha val="69020"/>
-            </a:srgbClr>
+            </a:schemeClr>
           </a:solidFill>
           <a:ln>
-            <a:solidFill>
-              <a:srgbClr val="000000"/>
-            </a:solidFill>
+            <a:noFill/>
           </a:ln>
         </p:spPr>
         <p:style>
@@ -4375,7 +4371,7 @@
         </p:blipFill>
         <p:spPr bwMode="auto">
           <a:xfrm>
-            <a:off x="5183450" y="4646741"/>
+            <a:off x="5183450" y="5404388"/>
             <a:ext cx="491381" cy="542656"/>
           </a:xfrm>
           <a:prstGeom prst="rect">
@@ -4407,21 +4403,20 @@
         </p:nvSpPr>
         <p:spPr>
           <a:xfrm>
-            <a:off x="5769963" y="2661493"/>
+            <a:off x="5769963" y="3419140"/>
             <a:ext cx="640080" cy="274320"/>
           </a:xfrm>
           <a:prstGeom prst="rightArrow">
             <a:avLst/>
           </a:prstGeom>
           <a:solidFill>
-            <a:srgbClr val="0F0F0F">
+            <a:schemeClr val="bg2">
+              <a:lumMod val="90000"/>
               <a:alpha val="69020"/>
-            </a:srgbClr>
+            </a:schemeClr>
           </a:solidFill>
           <a:ln>
-            <a:solidFill>
-              <a:srgbClr val="000000"/>
-            </a:solidFill>
+            <a:noFill/>
           </a:ln>
         </p:spPr>
         <p:style>
@@ -4461,21 +4456,20 @@
         </p:nvSpPr>
         <p:spPr>
           <a:xfrm>
-            <a:off x="5760720" y="4200289"/>
+            <a:off x="5760720" y="4957936"/>
             <a:ext cx="640080" cy="274320"/>
           </a:xfrm>
           <a:prstGeom prst="rightArrow">
             <a:avLst/>
           </a:prstGeom>
           <a:solidFill>
-            <a:srgbClr val="0F0F0F">
+            <a:schemeClr val="bg2">
+              <a:lumMod val="90000"/>
               <a:alpha val="69020"/>
-            </a:srgbClr>
+            </a:schemeClr>
           </a:solidFill>
           <a:ln>
-            <a:solidFill>
-              <a:srgbClr val="000000"/>
-            </a:solidFill>
+            <a:noFill/>
           </a:ln>
         </p:spPr>
         <p:style>
@@ -4515,21 +4509,20 @@
         </p:nvSpPr>
         <p:spPr>
           <a:xfrm>
-            <a:off x="5751477" y="3672618"/>
+            <a:off x="5751477" y="4430265"/>
             <a:ext cx="640080" cy="274320"/>
           </a:xfrm>
           <a:prstGeom prst="rightArrow">
             <a:avLst/>
           </a:prstGeom>
           <a:solidFill>
-            <a:srgbClr val="0F0F0F">
+            <a:schemeClr val="bg2">
+              <a:lumMod val="90000"/>
               <a:alpha val="69020"/>
-            </a:srgbClr>
+            </a:schemeClr>
           </a:solidFill>
           <a:ln>
-            <a:solidFill>
-              <a:srgbClr val="000000"/>
-            </a:solidFill>
+            <a:noFill/>
           </a:ln>
         </p:spPr>
         <p:style>
@@ -4569,21 +4562,20 @@
         </p:nvSpPr>
         <p:spPr>
           <a:xfrm>
-            <a:off x="5769963" y="2148840"/>
+            <a:off x="5769963" y="2906487"/>
             <a:ext cx="640080" cy="274320"/>
           </a:xfrm>
           <a:prstGeom prst="rightArrow">
             <a:avLst/>
           </a:prstGeom>
           <a:solidFill>
-            <a:srgbClr val="0F0F0F">
+            <a:schemeClr val="bg2">
+              <a:lumMod val="90000"/>
               <a:alpha val="69020"/>
-            </a:srgbClr>
+            </a:schemeClr>
           </a:solidFill>
           <a:ln>
-            <a:solidFill>
-              <a:srgbClr val="000000"/>
-            </a:solidFill>
+            <a:noFill/>
           </a:ln>
         </p:spPr>
         <p:style>
@@ -4637,8 +4629,8 @@
         </p:blipFill>
         <p:spPr>
           <a:xfrm>
-            <a:off x="2480791" y="3213180"/>
-            <a:ext cx="494307" cy="494307"/>
+            <a:off x="2586365" y="3893895"/>
+            <a:ext cx="338311" cy="338311"/>
           </a:xfrm>
           <a:prstGeom prst="rect">
             <a:avLst/>
@@ -4673,7 +4665,7 @@
         </p:blipFill>
         <p:spPr>
           <a:xfrm>
-            <a:off x="5079915" y="3047103"/>
+            <a:off x="5079915" y="3804750"/>
             <a:ext cx="494307" cy="494307"/>
           </a:xfrm>
           <a:prstGeom prst="rect">
@@ -4709,7 +4701,7 @@
         </p:blipFill>
         <p:spPr>
           <a:xfrm>
-            <a:off x="5247927" y="3213180"/>
+            <a:off x="5247927" y="3970827"/>
             <a:ext cx="494307" cy="494307"/>
           </a:xfrm>
           <a:prstGeom prst="rect">
@@ -4745,44 +4737,8 @@
         </p:blipFill>
         <p:spPr>
           <a:xfrm>
-            <a:off x="5247926" y="2874869"/>
+            <a:off x="5247926" y="3632516"/>
             <a:ext cx="494307" cy="494307"/>
-          </a:xfrm>
-          <a:prstGeom prst="rect">
-            <a:avLst/>
-          </a:prstGeom>
-        </p:spPr>
-      </p:pic>
-      <p:pic>
-        <p:nvPicPr>
-          <p:cNvPr id="32" name="Graphic 31" descr="Lock with solid fill">
-            <a:extLst>
-              <a:ext uri="{FF2B5EF4-FFF2-40B4-BE49-F238E27FC236}">
-                <a16:creationId xmlns:a16="http://schemas.microsoft.com/office/drawing/2014/main" id="{34A9F0E8-7E21-D07A-3EA6-20A4F21ACBB0}"/>
-              </a:ext>
-            </a:extLst>
-          </p:cNvPr>
-          <p:cNvPicPr>
-            <a:picLocks noChangeAspect="1"/>
-          </p:cNvPicPr>
-          <p:nvPr/>
-        </p:nvPicPr>
-        <p:blipFill>
-          <a:blip r:embed="rId5">
-            <a:extLst>
-              <a:ext uri="{96DAC541-7B7A-43D3-8B79-37D633B846F1}">
-                <asvg:svgBlip xmlns:asvg="http://schemas.microsoft.com/office/drawing/2016/SVG/main" r:embed="rId6"/>
-              </a:ext>
-            </a:extLst>
-          </a:blip>
-          <a:stretch>
-            <a:fillRect/>
-          </a:stretch>
-        </p:blipFill>
-        <p:spPr>
-          <a:xfrm>
-            <a:off x="3599507" y="3176683"/>
-            <a:ext cx="452207" cy="452207"/>
           </a:xfrm>
           <a:prstGeom prst="rect">
             <a:avLst/>
@@ -4817,7 +4773,7 @@
         </p:blipFill>
         <p:spPr>
           <a:xfrm>
-            <a:off x="6767266" y="2227068"/>
+            <a:off x="5984697" y="3089366"/>
             <a:ext cx="274321" cy="274321"/>
           </a:xfrm>
           <a:prstGeom prst="rect">
@@ -4853,7 +4809,7 @@
         </p:blipFill>
         <p:spPr>
           <a:xfrm>
-            <a:off x="7269041" y="2596683"/>
+            <a:off x="5989856" y="3599168"/>
             <a:ext cx="274321" cy="274321"/>
           </a:xfrm>
           <a:prstGeom prst="rect">
@@ -4889,7 +4845,7 @@
         </p:blipFill>
         <p:spPr>
           <a:xfrm>
-            <a:off x="7937385" y="2984861"/>
+            <a:off x="5992127" y="4097956"/>
             <a:ext cx="274321" cy="274321"/>
           </a:xfrm>
           <a:prstGeom prst="rect">
@@ -4925,7 +4881,7 @@
         </p:blipFill>
         <p:spPr>
           <a:xfrm>
-            <a:off x="7800224" y="3326527"/>
+            <a:off x="5992127" y="4596396"/>
             <a:ext cx="274321" cy="274321"/>
           </a:xfrm>
           <a:prstGeom prst="rect">
@@ -4961,7 +4917,7 @@
         </p:blipFill>
         <p:spPr>
           <a:xfrm>
-            <a:off x="7359011" y="3679871"/>
+            <a:off x="5991497" y="5134199"/>
             <a:ext cx="274321" cy="274321"/>
           </a:xfrm>
           <a:prstGeom prst="rect">
@@ -4971,10 +4927,10 @@
       </p:pic>
       <p:pic>
         <p:nvPicPr>
-          <p:cNvPr id="40" name="Graphic 39" descr="Lock with solid fill">
+          <p:cNvPr id="42" name="Graphic 41" descr="Lock with solid fill">
             <a:extLst>
               <a:ext uri="{FF2B5EF4-FFF2-40B4-BE49-F238E27FC236}">
-                <a16:creationId xmlns:a16="http://schemas.microsoft.com/office/drawing/2014/main" id="{D0AE40AA-791A-3102-F7DF-407D014E289B}"/>
+                <a16:creationId xmlns:a16="http://schemas.microsoft.com/office/drawing/2014/main" id="{B24BCD2B-F477-070C-7D66-F580695EF04C}"/>
               </a:ext>
             </a:extLst>
           </p:cNvPr>
@@ -4997,43 +4953,7 @@
         </p:blipFill>
         <p:spPr>
           <a:xfrm>
-            <a:off x="8199827" y="4052321"/>
-            <a:ext cx="274321" cy="274321"/>
-          </a:xfrm>
-          <a:prstGeom prst="rect">
-            <a:avLst/>
-          </a:prstGeom>
-        </p:spPr>
-      </p:pic>
-      <p:pic>
-        <p:nvPicPr>
-          <p:cNvPr id="41" name="Graphic 40" descr="Lock with solid fill">
-            <a:extLst>
-              <a:ext uri="{FF2B5EF4-FFF2-40B4-BE49-F238E27FC236}">
-                <a16:creationId xmlns:a16="http://schemas.microsoft.com/office/drawing/2014/main" id="{47022A5D-FC7C-9811-A830-97115DD09751}"/>
-              </a:ext>
-            </a:extLst>
-          </p:cNvPr>
-          <p:cNvPicPr>
-            <a:picLocks noChangeAspect="1"/>
-          </p:cNvPicPr>
-          <p:nvPr/>
-        </p:nvPicPr>
-        <p:blipFill>
-          <a:blip r:embed="rId5">
-            <a:extLst>
-              <a:ext uri="{96DAC541-7B7A-43D3-8B79-37D633B846F1}">
-                <asvg:svgBlip xmlns:asvg="http://schemas.microsoft.com/office/drawing/2016/SVG/main" r:embed="rId6"/>
-              </a:ext>
-            </a:extLst>
-          </a:blip>
-          <a:stretch>
-            <a:fillRect/>
-          </a:stretch>
-        </p:blipFill>
-        <p:spPr>
-          <a:xfrm>
-            <a:off x="6759265" y="4398817"/>
+            <a:off x="3263139" y="4095046"/>
             <a:ext cx="274321" cy="274321"/>
           </a:xfrm>
           <a:prstGeom prst="rect">
